--- a/CMEActivity.pptx
+++ b/CMEActivity.pptx
@@ -243,7 +243,7 @@
           <a:p>
             <a:fld id="{404F53A4-F8CF-48A0-A48A-5E2D797C6950}" type="datetimeFigureOut">
               <a:rPr lang="en-US" smtClean="0"/>
-              <a:t>4/12/2018</a:t>
+              <a:t>4/25/2018</a:t>
             </a:fld>
             <a:endParaRPr lang="en-US"/>
           </a:p>
@@ -413,7 +413,7 @@
           <a:p>
             <a:fld id="{404F53A4-F8CF-48A0-A48A-5E2D797C6950}" type="datetimeFigureOut">
               <a:rPr lang="en-US" smtClean="0"/>
-              <a:t>4/12/2018</a:t>
+              <a:t>4/25/2018</a:t>
             </a:fld>
             <a:endParaRPr lang="en-US"/>
           </a:p>
@@ -593,7 +593,7 @@
           <a:p>
             <a:fld id="{404F53A4-F8CF-48A0-A48A-5E2D797C6950}" type="datetimeFigureOut">
               <a:rPr lang="en-US" smtClean="0"/>
-              <a:t>4/12/2018</a:t>
+              <a:t>4/25/2018</a:t>
             </a:fld>
             <a:endParaRPr lang="en-US"/>
           </a:p>
@@ -763,7 +763,7 @@
           <a:p>
             <a:fld id="{404F53A4-F8CF-48A0-A48A-5E2D797C6950}" type="datetimeFigureOut">
               <a:rPr lang="en-US" smtClean="0"/>
-              <a:t>4/12/2018</a:t>
+              <a:t>4/25/2018</a:t>
             </a:fld>
             <a:endParaRPr lang="en-US"/>
           </a:p>
@@ -1007,7 +1007,7 @@
           <a:p>
             <a:fld id="{404F53A4-F8CF-48A0-A48A-5E2D797C6950}" type="datetimeFigureOut">
               <a:rPr lang="en-US" smtClean="0"/>
-              <a:t>4/12/2018</a:t>
+              <a:t>4/25/2018</a:t>
             </a:fld>
             <a:endParaRPr lang="en-US"/>
           </a:p>
@@ -1239,7 +1239,7 @@
           <a:p>
             <a:fld id="{404F53A4-F8CF-48A0-A48A-5E2D797C6950}" type="datetimeFigureOut">
               <a:rPr lang="en-US" smtClean="0"/>
-              <a:t>4/12/2018</a:t>
+              <a:t>4/25/2018</a:t>
             </a:fld>
             <a:endParaRPr lang="en-US"/>
           </a:p>
@@ -1606,7 +1606,7 @@
           <a:p>
             <a:fld id="{404F53A4-F8CF-48A0-A48A-5E2D797C6950}" type="datetimeFigureOut">
               <a:rPr lang="en-US" smtClean="0"/>
-              <a:t>4/12/2018</a:t>
+              <a:t>4/25/2018</a:t>
             </a:fld>
             <a:endParaRPr lang="en-US"/>
           </a:p>
@@ -1724,7 +1724,7 @@
           <a:p>
             <a:fld id="{404F53A4-F8CF-48A0-A48A-5E2D797C6950}" type="datetimeFigureOut">
               <a:rPr lang="en-US" smtClean="0"/>
-              <a:t>4/12/2018</a:t>
+              <a:t>4/25/2018</a:t>
             </a:fld>
             <a:endParaRPr lang="en-US"/>
           </a:p>
@@ -1819,7 +1819,7 @@
           <a:p>
             <a:fld id="{404F53A4-F8CF-48A0-A48A-5E2D797C6950}" type="datetimeFigureOut">
               <a:rPr lang="en-US" smtClean="0"/>
-              <a:t>4/12/2018</a:t>
+              <a:t>4/25/2018</a:t>
             </a:fld>
             <a:endParaRPr lang="en-US"/>
           </a:p>
@@ -2096,7 +2096,7 @@
           <a:p>
             <a:fld id="{404F53A4-F8CF-48A0-A48A-5E2D797C6950}" type="datetimeFigureOut">
               <a:rPr lang="en-US" smtClean="0"/>
-              <a:t>4/12/2018</a:t>
+              <a:t>4/25/2018</a:t>
             </a:fld>
             <a:endParaRPr lang="en-US"/>
           </a:p>
@@ -2353,7 +2353,7 @@
           <a:p>
             <a:fld id="{404F53A4-F8CF-48A0-A48A-5E2D797C6950}" type="datetimeFigureOut">
               <a:rPr lang="en-US" smtClean="0"/>
-              <a:t>4/12/2018</a:t>
+              <a:t>4/25/2018</a:t>
             </a:fld>
             <a:endParaRPr lang="en-US"/>
           </a:p>
@@ -2566,7 +2566,7 @@
           <a:p>
             <a:fld id="{404F53A4-F8CF-48A0-A48A-5E2D797C6950}" type="datetimeFigureOut">
               <a:rPr lang="en-US" smtClean="0"/>
-              <a:t>4/12/2018</a:t>
+              <a:t>4/25/2018</a:t>
             </a:fld>
             <a:endParaRPr lang="en-US"/>
           </a:p>
@@ -3111,6 +3111,28 @@
               <a:t>If these are not prepopulated for a conference, we’ll have multiple activity records that logically refer to the same meeting/talk/training session</a:t>
             </a:r>
           </a:p>
+          <a:p>
+            <a:pPr marL="285750" indent="-285750" algn="ctr">
+              <a:buFont typeface="Arial" panose="020B0604020202020204" pitchFamily="34" charset="0"/>
+              <a:buChar char="•"/>
+            </a:pPr>
+            <a:r>
+              <a:rPr lang="en-US" sz="1400" dirty="0">
+                <a:ln w="0"/>
+                <a:solidFill>
+                  <a:schemeClr val="bg1"/>
+                </a:solidFill>
+                <a:effectLst>
+                  <a:outerShdw blurRad="38100" dist="19050" dir="2700000" algn="tl" rotWithShape="0">
+                    <a:schemeClr val="dk1">
+                      <a:alpha val="40000"/>
+                    </a:schemeClr>
+                  </a:outerShdw>
+                </a:effectLst>
+              </a:rPr>
+              <a:t>If a “personal” activity, the activity does not require a group b/c no one will ever add additional</a:t>
+            </a:r>
+          </a:p>
         </p:txBody>
       </p:sp>
       <p:sp>
@@ -3594,9 +3616,9 @@
           <p:nvPr/>
         </p:nvSpPr>
         <p:spPr>
-          <a:xfrm rot="1371712">
-            <a:off x="8422786" y="3651333"/>
-            <a:ext cx="667170" cy="369332"/>
+          <a:xfrm rot="980692">
+            <a:off x="8191273" y="3591282"/>
+            <a:ext cx="1788823" cy="646331"/>
           </a:xfrm>
           <a:prstGeom prst="rect">
             <a:avLst/>
@@ -3611,7 +3633,14 @@
           <a:p>
             <a:r>
               <a:rPr lang="en-US" dirty="0"/>
-              <a:t>1 : M</a:t>
+              <a:t>1 : M – </a:t>
+            </a:r>
+          </a:p>
+          <a:p>
+            <a:pPr algn="ctr"/>
+            <a:r>
+              <a:rPr lang="en-US" dirty="0"/>
+              <a:t>do we need this?</a:t>
             </a:r>
           </a:p>
         </p:txBody>
@@ -4766,28 +4795,6 @@
                 </a:outerShdw>
               </a:effectLst>
             </a:endParaRPr>
-          </a:p>
-          <a:p>
-            <a:pPr marL="285750" indent="-285750" algn="ctr">
-              <a:buFont typeface="Arial" panose="020B0604020202020204" pitchFamily="34" charset="0"/>
-              <a:buChar char="•"/>
-            </a:pPr>
-            <a:r>
-              <a:rPr lang="en-US" sz="1400" dirty="0">
-                <a:ln w="0"/>
-                <a:solidFill>
-                  <a:schemeClr val="bg1"/>
-                </a:solidFill>
-                <a:effectLst>
-                  <a:outerShdw blurRad="38100" dist="19050" dir="2700000" algn="tl" rotWithShape="0">
-                    <a:schemeClr val="dk1">
-                      <a:alpha val="40000"/>
-                    </a:schemeClr>
-                  </a:outerShdw>
-                </a:effectLst>
-              </a:rPr>
-              <a:t>i.e. Radiology/Psychiatry</a:t>
-            </a:r>
           </a:p>
           <a:p>
             <a:pPr marL="285750" indent="-285750" algn="ctr">
@@ -7031,6 +7038,116 @@
             <a:r>
               <a:rPr lang="en-US" dirty="0"/>
               <a:t>M-1</a:t>
+            </a:r>
+          </a:p>
+        </p:txBody>
+      </p:sp>
+      <p:sp>
+        <p:nvSpPr>
+          <p:cNvPr id="68" name="TextBox 67">
+            <a:extLst>
+              <a:ext uri="{FF2B5EF4-FFF2-40B4-BE49-F238E27FC236}">
+                <a16:creationId xmlns:a16="http://schemas.microsoft.com/office/drawing/2014/main" id="{BFB1045A-E479-408A-B452-C864AD1B9376}"/>
+              </a:ext>
+            </a:extLst>
+          </p:cNvPr>
+          <p:cNvSpPr txBox="1"/>
+          <p:nvPr/>
+        </p:nvSpPr>
+        <p:spPr>
+          <a:xfrm rot="17336911">
+            <a:off x="10028314" y="6601941"/>
+            <a:ext cx="1570238" cy="369332"/>
+          </a:xfrm>
+          <a:prstGeom prst="rect">
+            <a:avLst/>
+          </a:prstGeom>
+          <a:noFill/>
+        </p:spPr>
+        <p:txBody>
+          <a:bodyPr wrap="none" rtlCol="0">
+            <a:spAutoFit/>
+          </a:bodyPr>
+          <a:lstStyle/>
+          <a:p>
+            <a:r>
+              <a:rPr lang="en-US" dirty="0"/>
+              <a:t>M: 1 - optional</a:t>
+            </a:r>
+          </a:p>
+        </p:txBody>
+      </p:sp>
+      <p:cxnSp>
+        <p:nvCxnSpPr>
+          <p:cNvPr id="3" name="Straight Connector 2">
+            <a:extLst>
+              <a:ext uri="{FF2B5EF4-FFF2-40B4-BE49-F238E27FC236}">
+                <a16:creationId xmlns:a16="http://schemas.microsoft.com/office/drawing/2014/main" id="{86B1240C-B548-48EA-BF1D-BEB1530DD44B}"/>
+              </a:ext>
+            </a:extLst>
+          </p:cNvPr>
+          <p:cNvCxnSpPr>
+            <a:cxnSpLocks/>
+            <a:stCxn id="59" idx="0"/>
+            <a:endCxn id="102" idx="1"/>
+          </p:cNvCxnSpPr>
+          <p:nvPr/>
+        </p:nvCxnSpPr>
+        <p:spPr>
+          <a:xfrm flipV="1">
+            <a:off x="6968463" y="4484407"/>
+            <a:ext cx="3005161" cy="7083530"/>
+          </a:xfrm>
+          <a:prstGeom prst="line">
+            <a:avLst/>
+          </a:prstGeom>
+        </p:spPr>
+        <p:style>
+          <a:lnRef idx="1">
+            <a:schemeClr val="accent1"/>
+          </a:lnRef>
+          <a:fillRef idx="0">
+            <a:schemeClr val="accent1"/>
+          </a:fillRef>
+          <a:effectRef idx="0">
+            <a:schemeClr val="accent1"/>
+          </a:effectRef>
+          <a:fontRef idx="minor">
+            <a:schemeClr val="tx1"/>
+          </a:fontRef>
+        </p:style>
+      </p:cxnSp>
+      <p:sp>
+        <p:nvSpPr>
+          <p:cNvPr id="71" name="TextBox 70">
+            <a:extLst>
+              <a:ext uri="{FF2B5EF4-FFF2-40B4-BE49-F238E27FC236}">
+                <a16:creationId xmlns:a16="http://schemas.microsoft.com/office/drawing/2014/main" id="{FBC8D5EC-0827-425A-ADEF-B0E5BD52ABBC}"/>
+              </a:ext>
+            </a:extLst>
+          </p:cNvPr>
+          <p:cNvSpPr txBox="1"/>
+          <p:nvPr/>
+        </p:nvSpPr>
+        <p:spPr>
+          <a:xfrm rot="17627553">
+            <a:off x="6362608" y="9949359"/>
+            <a:ext cx="2915670" cy="369332"/>
+          </a:xfrm>
+          <a:prstGeom prst="rect">
+            <a:avLst/>
+          </a:prstGeom>
+          <a:noFill/>
+        </p:spPr>
+        <p:txBody>
+          <a:bodyPr wrap="none" rtlCol="0">
+            <a:spAutoFit/>
+          </a:bodyPr>
+          <a:lstStyle/>
+          <a:p>
+            <a:r>
+              <a:rPr lang="en-US" dirty="0"/>
+              <a:t>If the activity group is private</a:t>
             </a:r>
           </a:p>
         </p:txBody>
